--- a/Kafka introduction.pptx
+++ b/Kafka introduction.pptx
@@ -264,7 +264,7 @@
           <a:p>
             <a:fld id="{A293767E-B838-4D74-B40A-E4D8C234F9F9}" type="datetimeFigureOut">
               <a:rPr lang="zh-CN" altLang="en-US" smtClean="0"/>
-              <a:t>2019/5/2</a:t>
+              <a:t>2019/6/3</a:t>
             </a:fld>
             <a:endParaRPr lang="zh-CN" altLang="en-US"/>
           </a:p>
@@ -1277,7 +1277,7 @@
             <a:fld id="{48A87A34-81AB-432B-8DAE-1953F412C126}" type="datetimeFigureOut">
               <a:rPr lang="en-US" smtClean="0"/>
               <a:pPr/>
-              <a:t>5/2/2019</a:t>
+              <a:t>6/3/2019</a:t>
             </a:fld>
             <a:endParaRPr lang="en-US" dirty="0"/>
           </a:p>
@@ -1575,7 +1575,7 @@
             <a:fld id="{48A87A34-81AB-432B-8DAE-1953F412C126}" type="datetimeFigureOut">
               <a:rPr lang="en-US" smtClean="0"/>
               <a:pPr/>
-              <a:t>5/2/2019</a:t>
+              <a:t>6/3/2019</a:t>
             </a:fld>
             <a:endParaRPr lang="en-US" dirty="0"/>
           </a:p>
@@ -1825,7 +1825,7 @@
             <a:fld id="{48A87A34-81AB-432B-8DAE-1953F412C126}" type="datetimeFigureOut">
               <a:rPr lang="en-US" smtClean="0"/>
               <a:pPr/>
-              <a:t>5/2/2019</a:t>
+              <a:t>6/3/2019</a:t>
             </a:fld>
             <a:endParaRPr lang="en-US" dirty="0"/>
           </a:p>
@@ -2367,7 +2367,7 @@
             <a:fld id="{48A87A34-81AB-432B-8DAE-1953F412C126}" type="datetimeFigureOut">
               <a:rPr lang="en-US" smtClean="0"/>
               <a:pPr/>
-              <a:t>5/2/2019</a:t>
+              <a:t>6/3/2019</a:t>
             </a:fld>
             <a:endParaRPr lang="en-US" dirty="0"/>
           </a:p>
@@ -2617,7 +2617,7 @@
             <a:fld id="{48A87A34-81AB-432B-8DAE-1953F412C126}" type="datetimeFigureOut">
               <a:rPr lang="en-US" smtClean="0"/>
               <a:pPr/>
-              <a:t>5/2/2019</a:t>
+              <a:t>6/3/2019</a:t>
             </a:fld>
             <a:endParaRPr lang="en-US" dirty="0"/>
           </a:p>
@@ -3151,7 +3151,7 @@
             <a:fld id="{48A87A34-81AB-432B-8DAE-1953F412C126}" type="datetimeFigureOut">
               <a:rPr lang="en-US" smtClean="0"/>
               <a:pPr/>
-              <a:t>5/2/2019</a:t>
+              <a:t>6/3/2019</a:t>
             </a:fld>
             <a:endParaRPr lang="en-US" dirty="0"/>
           </a:p>
@@ -3450,7 +3450,7 @@
             <a:fld id="{48A87A34-81AB-432B-8DAE-1953F412C126}" type="datetimeFigureOut">
               <a:rPr lang="en-US" smtClean="0"/>
               <a:pPr/>
-              <a:t>5/2/2019</a:t>
+              <a:t>6/3/2019</a:t>
             </a:fld>
             <a:endParaRPr lang="en-US" dirty="0"/>
           </a:p>
@@ -3626,7 +3626,7 @@
             <a:fld id="{48A87A34-81AB-432B-8DAE-1953F412C126}" type="datetimeFigureOut">
               <a:rPr lang="en-US" smtClean="0"/>
               <a:pPr/>
-              <a:t>5/2/2019</a:t>
+              <a:t>6/3/2019</a:t>
             </a:fld>
             <a:endParaRPr lang="en-US" dirty="0"/>
           </a:p>
@@ -3808,7 +3808,7 @@
             <a:fld id="{48A87A34-81AB-432B-8DAE-1953F412C126}" type="datetimeFigureOut">
               <a:rPr lang="en-US" smtClean="0"/>
               <a:pPr/>
-              <a:t>5/2/2019</a:t>
+              <a:t>6/3/2019</a:t>
             </a:fld>
             <a:endParaRPr lang="en-US" dirty="0"/>
           </a:p>
@@ -3980,7 +3980,7 @@
             <a:fld id="{48A87A34-81AB-432B-8DAE-1953F412C126}" type="datetimeFigureOut">
               <a:rPr lang="en-US" smtClean="0"/>
               <a:pPr/>
-              <a:t>5/2/2019</a:t>
+              <a:t>6/3/2019</a:t>
             </a:fld>
             <a:endParaRPr lang="en-US" dirty="0"/>
           </a:p>
@@ -4233,7 +4233,7 @@
             <a:fld id="{48A87A34-81AB-432B-8DAE-1953F412C126}" type="datetimeFigureOut">
               <a:rPr lang="en-US" smtClean="0"/>
               <a:pPr/>
-              <a:t>5/2/2019</a:t>
+              <a:t>6/3/2019</a:t>
             </a:fld>
             <a:endParaRPr lang="en-US" dirty="0"/>
           </a:p>
@@ -4532,7 +4532,7 @@
             <a:fld id="{48A87A34-81AB-432B-8DAE-1953F412C126}" type="datetimeFigureOut">
               <a:rPr lang="en-US" smtClean="0"/>
               <a:pPr/>
-              <a:t>5/2/2019</a:t>
+              <a:t>6/3/2019</a:t>
             </a:fld>
             <a:endParaRPr lang="en-US" dirty="0"/>
           </a:p>
@@ -4976,7 +4976,7 @@
             <a:fld id="{48A87A34-81AB-432B-8DAE-1953F412C126}" type="datetimeFigureOut">
               <a:rPr lang="en-US" smtClean="0"/>
               <a:pPr/>
-              <a:t>5/2/2019</a:t>
+              <a:t>6/3/2019</a:t>
             </a:fld>
             <a:endParaRPr lang="en-US" dirty="0"/>
           </a:p>
@@ -5096,7 +5096,7 @@
             <a:fld id="{48A87A34-81AB-432B-8DAE-1953F412C126}" type="datetimeFigureOut">
               <a:rPr lang="en-US" smtClean="0"/>
               <a:pPr/>
-              <a:t>5/2/2019</a:t>
+              <a:t>6/3/2019</a:t>
             </a:fld>
             <a:endParaRPr lang="en-US" dirty="0"/>
           </a:p>
@@ -5193,7 +5193,7 @@
             <a:fld id="{48A87A34-81AB-432B-8DAE-1953F412C126}" type="datetimeFigureOut">
               <a:rPr lang="en-US" smtClean="0"/>
               <a:pPr/>
-              <a:t>5/2/2019</a:t>
+              <a:t>6/3/2019</a:t>
             </a:fld>
             <a:endParaRPr lang="en-US" dirty="0"/>
           </a:p>
@@ -5478,7 +5478,7 @@
             <a:fld id="{48A87A34-81AB-432B-8DAE-1953F412C126}" type="datetimeFigureOut">
               <a:rPr lang="en-US" smtClean="0"/>
               <a:pPr/>
-              <a:t>5/2/2019</a:t>
+              <a:t>6/3/2019</a:t>
             </a:fld>
             <a:endParaRPr lang="en-US" dirty="0"/>
           </a:p>
@@ -5771,7 +5771,7 @@
             <a:fld id="{48A87A34-81AB-432B-8DAE-1953F412C126}" type="datetimeFigureOut">
               <a:rPr lang="en-US" smtClean="0"/>
               <a:pPr/>
-              <a:t>5/2/2019</a:t>
+              <a:t>6/3/2019</a:t>
             </a:fld>
             <a:endParaRPr lang="en-US" dirty="0"/>
           </a:p>
@@ -6303,7 +6303,7 @@
             <a:fld id="{48A87A34-81AB-432B-8DAE-1953F412C126}" type="datetimeFigureOut">
               <a:rPr lang="en-US" smtClean="0"/>
               <a:pPr/>
-              <a:t>5/2/2019</a:t>
+              <a:t>6/3/2019</a:t>
             </a:fld>
             <a:endParaRPr lang="en-US" dirty="0"/>
           </a:p>
@@ -11659,13 +11659,8 @@
             </a:pPr>
             <a:r>
               <a:rPr lang="en-US" altLang="zh-CN" dirty="0"/>
-              <a:t>Modify config </a:t>
-            </a:r>
-            <a:r>
-              <a:rPr lang="en-US" altLang="zh-CN" dirty="0" err="1"/>
-              <a:t>fiels</a:t>
-            </a:r>
-            <a:endParaRPr lang="en-US" altLang="zh-CN" dirty="0"/>
+              <a:t>Modify config files</a:t>
+            </a:r>
           </a:p>
           <a:p>
             <a:pPr marL="800100" lvl="1" indent="-342900">
@@ -13658,7 +13653,7 @@
         <p:spPr>
           <a:xfrm>
             <a:off x="1992309" y="1442906"/>
-            <a:ext cx="9601276" cy="369332"/>
+            <a:ext cx="9601276" cy="646331"/>
           </a:xfrm>
           <a:prstGeom prst="rect">
             <a:avLst/>
@@ -13673,7 +13668,7 @@
           <a:p>
             <a:r>
               <a:rPr lang="en-US" altLang="zh-CN" dirty="0"/>
-              <a:t>Kafka-producer-perf-test.sh –producer-props key=value –</a:t>
+              <a:t>kafka-producer-perf-test.bat --producer-props </a:t>
             </a:r>
             <a:r>
               <a:rPr lang="en-US" altLang="zh-CN" dirty="0" err="1"/>
@@ -13681,7 +13676,7 @@
             </a:r>
             <a:r>
               <a:rPr lang="en-US" altLang="zh-CN" dirty="0"/>
-              <a:t>=localhost:2181</a:t>
+              <a:t>=localhost:9092 --topic test --throughput 1000 --num-records 10000 --record-size 1</a:t>
             </a:r>
             <a:endParaRPr lang="zh-CN" altLang="en-US" dirty="0"/>
           </a:p>
@@ -13709,7 +13704,7 @@
         </p:blipFill>
         <p:spPr>
           <a:xfrm>
-            <a:off x="2399252" y="2266943"/>
+            <a:off x="2327945" y="2828918"/>
             <a:ext cx="7536109" cy="2042285"/>
           </a:xfrm>
           <a:prstGeom prst="rect">
@@ -14157,7 +14152,7 @@
         <p:spPr>
           <a:xfrm>
             <a:off x="1572150" y="1139041"/>
-            <a:ext cx="10029300" cy="4308872"/>
+            <a:ext cx="10029300" cy="2923877"/>
           </a:xfrm>
           <a:prstGeom prst="rect">
             <a:avLst/>
@@ -14231,15 +14226,15 @@
                   <a:srgbClr val="FF0000"/>
                 </a:solidFill>
               </a:rPr>
-              <a:t>–zookeeper </a:t>
-            </a:r>
-            <a:r>
-              <a:rPr lang="en-US" altLang="zh-CN" dirty="0"/>
-              <a:t>localhost:2181 –topic test –consumer-property group.id=old-consumer-test –property consumer.id=old-consumer-c1 </a:t>
+              <a:t>–bootstrap-server localhost:9092</a:t>
+            </a:r>
+            <a:r>
+              <a:rPr lang="en-US" altLang="zh-CN" dirty="0"/>
+              <a:t> –topic test –consumer-property group.id=old-consumer-test –property consumer.id=old-consumer-c1 </a:t>
             </a:r>
             <a:r>
               <a:rPr lang="en-US" altLang="zh-CN" b="1" i="1" dirty="0"/>
-              <a:t>–from-beginning –delete-consumer-offsets</a:t>
+              <a:t>–from-beginning</a:t>
             </a:r>
           </a:p>
           <a:p>
@@ -14284,69 +14279,6 @@
               <a:rPr lang="en-US" altLang="zh-CN" dirty="0"/>
               <a:t>is {hostname}-{current-timestamp}-{8bit-UUID}</a:t>
             </a:r>
-          </a:p>
-          <a:p>
-            <a:endParaRPr lang="en-US" altLang="zh-CN" dirty="0"/>
-          </a:p>
-          <a:p>
-            <a:r>
-              <a:rPr lang="en-US" altLang="zh-CN" dirty="0"/>
-              <a:t>Old low-level consumer</a:t>
-            </a:r>
-            <a:r>
-              <a:rPr lang="en-US" altLang="zh-CN" dirty="0">
-                <a:sym typeface="Wingdings" panose="05000000000000000000" pitchFamily="2" charset="2"/>
-              </a:rPr>
-              <a:t>: (</a:t>
-            </a:r>
-            <a:r>
-              <a:rPr lang="en-US" altLang="zh-CN" dirty="0" err="1">
-                <a:sym typeface="Wingdings" panose="05000000000000000000" pitchFamily="2" charset="2"/>
-              </a:rPr>
-              <a:t>kafka.tools.SimpleConsumerShell</a:t>
-            </a:r>
-            <a:r>
-              <a:rPr lang="en-US" altLang="zh-CN" dirty="0">
-                <a:sym typeface="Wingdings" panose="05000000000000000000" pitchFamily="2" charset="2"/>
-              </a:rPr>
-              <a:t>)</a:t>
-            </a:r>
-          </a:p>
-          <a:p>
-            <a:r>
-              <a:rPr lang="en-US" altLang="zh-CN" dirty="0">
-                <a:sym typeface="Wingdings" panose="05000000000000000000" pitchFamily="2" charset="2"/>
-              </a:rPr>
-              <a:t>	./kafka-simple-consumer-shell.sh </a:t>
-            </a:r>
-            <a:r>
-              <a:rPr lang="en-US" altLang="zh-CN" dirty="0">
-                <a:solidFill>
-                  <a:srgbClr val="FF0000"/>
-                </a:solidFill>
-                <a:sym typeface="Wingdings" panose="05000000000000000000" pitchFamily="2" charset="2"/>
-              </a:rPr>
-              <a:t>–broker-list </a:t>
-            </a:r>
-            <a:r>
-              <a:rPr lang="en-US" altLang="zh-CN" dirty="0">
-                <a:sym typeface="Wingdings" panose="05000000000000000000" pitchFamily="2" charset="2"/>
-              </a:rPr>
-              <a:t>localhost:2181 –</a:t>
-            </a:r>
-            <a:r>
-              <a:rPr lang="en-US" altLang="zh-CN" dirty="0" err="1">
-                <a:sym typeface="Wingdings" panose="05000000000000000000" pitchFamily="2" charset="2"/>
-              </a:rPr>
-              <a:t>clientId</a:t>
-            </a:r>
-            <a:r>
-              <a:rPr lang="en-US" altLang="zh-CN" dirty="0">
-                <a:sym typeface="Wingdings" panose="05000000000000000000" pitchFamily="2" charset="2"/>
-              </a:rPr>
-              <a:t> simple-consumer-test –offset -1 –partition 0 –topic test</a:t>
-            </a:r>
-            <a:endParaRPr lang="en-US" altLang="zh-CN" dirty="0"/>
           </a:p>
         </p:txBody>
       </p:sp>
@@ -14438,7 +14370,7 @@
         <p:spPr>
           <a:xfrm>
             <a:off x="1768330" y="1222433"/>
-            <a:ext cx="10310070" cy="4247317"/>
+            <a:ext cx="10310070" cy="3416320"/>
           </a:xfrm>
           <a:prstGeom prst="rect">
             <a:avLst/>
@@ -14457,15 +14389,7 @@
             </a:r>
             <a:r>
               <a:rPr lang="zh-CN" altLang="en-US" dirty="0"/>
-              <a:t>： </a:t>
-            </a:r>
-            <a:r>
-              <a:rPr lang="en-US" altLang="zh-CN" dirty="0"/>
-              <a:t>remove the dependency Zookeeper, </a:t>
-            </a:r>
-            <a:r>
-              <a:rPr lang="zh-CN" altLang="en-US" dirty="0"/>
-              <a:t>不再向</a:t>
+              <a:t>： 不再向</a:t>
             </a:r>
             <a:r>
               <a:rPr lang="en-US" altLang="zh-CN" dirty="0"/>
@@ -14514,6 +14438,35 @@
           </a:p>
           <a:p>
             <a:r>
+              <a:rPr lang="en-US" altLang="zh-CN" dirty="0" err="1"/>
+              <a:t>Math.abs</a:t>
+            </a:r>
+            <a:r>
+              <a:rPr lang="en-US" altLang="zh-CN" dirty="0"/>
+              <a:t>(${group.id}.</a:t>
+            </a:r>
+            <a:r>
+              <a:rPr lang="en-US" altLang="zh-CN" dirty="0" err="1"/>
+              <a:t>hashCode</a:t>
+            </a:r>
+            <a:r>
+              <a:rPr lang="en-US" altLang="zh-CN" dirty="0"/>
+              <a:t>()) % {</a:t>
+            </a:r>
+            <a:r>
+              <a:rPr lang="en-US" altLang="zh-CN" dirty="0" err="1"/>
+              <a:t>offsets.topic.num.partitions</a:t>
+            </a:r>
+            <a:r>
+              <a:rPr lang="en-US" altLang="zh-CN" dirty="0"/>
+              <a:t>}</a:t>
+            </a:r>
+          </a:p>
+          <a:p>
+            <a:endParaRPr lang="en-US" altLang="zh-CN" dirty="0"/>
+          </a:p>
+          <a:p>
+            <a:r>
               <a:rPr lang="en-US" altLang="zh-CN" dirty="0"/>
               <a:t>./kafka-console-consumer.sh</a:t>
             </a:r>
@@ -14539,19 +14492,15 @@
             </a:r>
             <a:r>
               <a:rPr lang="en-US" altLang="zh-CN" dirty="0"/>
-              <a:t>localhost:2181</a:t>
+              <a:t>localhost:9092 –consumer-property</a:t>
             </a:r>
             <a:r>
               <a:rPr lang="zh-CN" altLang="en-US" dirty="0"/>
               <a:t> </a:t>
             </a:r>
             <a:r>
-              <a:rPr lang="en-US" altLang="zh-CN" dirty="0">
-                <a:solidFill>
-                  <a:srgbClr val="FF0000"/>
-                </a:solidFill>
-              </a:rPr>
-              <a:t>–new-consumer</a:t>
+              <a:rPr lang="en-US" altLang="zh-CN" dirty="0"/>
+              <a:t>group.id=new-consumer-test</a:t>
             </a:r>
             <a:r>
               <a:rPr lang="zh-CN" altLang="en-US" dirty="0"/>
@@ -14567,62 +14516,11 @@
             </a:r>
             <a:r>
               <a:rPr lang="en-US" altLang="zh-CN" dirty="0"/>
-              <a:t>group.id=new-consumer-test</a:t>
-            </a:r>
-            <a:r>
-              <a:rPr lang="zh-CN" altLang="en-US" dirty="0"/>
-              <a:t> </a:t>
-            </a:r>
-            <a:r>
-              <a:rPr lang="en-US" altLang="zh-CN" dirty="0"/>
-              <a:t>–consumer-property</a:t>
-            </a:r>
-            <a:r>
-              <a:rPr lang="zh-CN" altLang="en-US" dirty="0"/>
-              <a:t> </a:t>
-            </a:r>
-            <a:r>
-              <a:rPr lang="en-US" altLang="zh-CN" dirty="0"/>
               <a:t>client.id=consumer-c1 –topic test</a:t>
             </a:r>
           </a:p>
           <a:p>
             <a:endParaRPr lang="en-US" altLang="zh-CN" dirty="0"/>
-          </a:p>
-          <a:p>
-            <a:r>
-              <a:rPr lang="en-US" altLang="zh-CN" dirty="0"/>
-              <a:t>./kafka-consumer-groups.sh –bootstrap-server localhost:2181 –list –new-consumer</a:t>
-            </a:r>
-          </a:p>
-          <a:p>
-            <a:endParaRPr lang="en-US" altLang="zh-CN" dirty="0"/>
-          </a:p>
-          <a:p>
-            <a:r>
-              <a:rPr lang="en-US" altLang="zh-CN" dirty="0" err="1"/>
-              <a:t>Math.abs</a:t>
-            </a:r>
-            <a:r>
-              <a:rPr lang="en-US" altLang="zh-CN" dirty="0"/>
-              <a:t>(${group.id}.</a:t>
-            </a:r>
-            <a:r>
-              <a:rPr lang="en-US" altLang="zh-CN" dirty="0" err="1"/>
-              <a:t>hashCode</a:t>
-            </a:r>
-            <a:r>
-              <a:rPr lang="en-US" altLang="zh-CN" dirty="0"/>
-              <a:t>()) % {</a:t>
-            </a:r>
-            <a:r>
-              <a:rPr lang="en-US" altLang="zh-CN" dirty="0" err="1"/>
-              <a:t>offsets.topic.num.partitions</a:t>
-            </a:r>
-            <a:r>
-              <a:rPr lang="en-US" altLang="zh-CN" dirty="0"/>
-              <a:t>}</a:t>
-            </a:r>
           </a:p>
           <a:p>
             <a:endParaRPr lang="en-US" altLang="zh-CN" dirty="0"/>
@@ -14656,41 +14554,11 @@
             </a:r>
             <a:r>
               <a:rPr lang="en-US" altLang="zh-CN" dirty="0"/>
-              <a:t> –broker-list localhost:2181 –topic test –time -1</a:t>
+              <a:t> –broker-list localhost:9092 –topic test –time -1</a:t>
             </a:r>
           </a:p>
           <a:p>
             <a:endParaRPr lang="en-US" altLang="zh-CN" dirty="0"/>
-          </a:p>
-          <a:p>
-            <a:r>
-              <a:rPr lang="en-US" altLang="zh-CN" dirty="0"/>
-              <a:t>./kafka-simple-consumer-shell.sh –topic __</a:t>
-            </a:r>
-            <a:r>
-              <a:rPr lang="en-US" altLang="zh-CN" dirty="0" err="1"/>
-              <a:t>consumer_offsets</a:t>
-            </a:r>
-            <a:r>
-              <a:rPr lang="en-US" altLang="zh-CN" dirty="0"/>
-              <a:t> –partition 6 –broker-list localhost:2181 –formatter “</a:t>
-            </a:r>
-            <a:r>
-              <a:rPr lang="en-US" altLang="zh-CN" dirty="0" err="1"/>
-              <a:t>kafka.coordinator.GroupMetadataManager</a:t>
-            </a:r>
-            <a:r>
-              <a:rPr lang="en-US" altLang="zh-CN" dirty="0"/>
-              <a:t>\$</a:t>
-            </a:r>
-            <a:r>
-              <a:rPr lang="en-US" altLang="zh-CN" dirty="0" err="1"/>
-              <a:t>OffsetMessageFormatter</a:t>
-            </a:r>
-            <a:r>
-              <a:rPr lang="en-US" altLang="zh-CN" dirty="0"/>
-              <a:t>”</a:t>
-            </a:r>
           </a:p>
         </p:txBody>
       </p:sp>
@@ -17176,7 +17044,7 @@
         <p:spPr>
           <a:xfrm>
             <a:off x="1534020" y="348770"/>
-            <a:ext cx="10437070" cy="5355312"/>
+            <a:ext cx="10437070" cy="6740307"/>
           </a:xfrm>
           <a:prstGeom prst="rect">
             <a:avLst/>
@@ -17256,6 +17124,120 @@
             <a:r>
               <a:rPr lang="en-US" altLang="zh-CN" dirty="0"/>
               <a:t>kafka-topics.bat –list --zookeeper localhost:2181</a:t>
+            </a:r>
+          </a:p>
+          <a:p>
+            <a:pPr marL="800100" lvl="1" indent="-342900">
+              <a:buFont typeface="+mj-lt"/>
+              <a:buAutoNum type="alphaLcParenR"/>
+            </a:pPr>
+            <a:r>
+              <a:rPr lang="en-US" altLang="zh-CN" dirty="0"/>
+              <a:t>View the content of the internal topic</a:t>
+            </a:r>
+            <a:r>
+              <a:rPr lang="en-US" altLang="zh-CN" dirty="0">
+                <a:solidFill>
+                  <a:schemeClr val="accent1"/>
+                </a:solidFill>
+              </a:rPr>
+              <a:t> __</a:t>
+            </a:r>
+            <a:r>
+              <a:rPr lang="en-US" altLang="zh-CN" dirty="0" err="1">
+                <a:solidFill>
+                  <a:schemeClr val="accent1"/>
+                </a:solidFill>
+              </a:rPr>
+              <a:t>consumer_offsets</a:t>
+            </a:r>
+            <a:r>
+              <a:rPr lang="en-US" altLang="zh-CN" dirty="0"/>
+              <a:t>:</a:t>
+            </a:r>
+          </a:p>
+          <a:p>
+            <a:pPr marL="1257300" lvl="2" indent="-342900">
+              <a:buFont typeface="+mj-ea"/>
+              <a:buAutoNum type="circleNumDbPlain"/>
+            </a:pPr>
+            <a:r>
+              <a:rPr lang="en-US" altLang="zh-CN" dirty="0"/>
+              <a:t> </a:t>
+            </a:r>
+            <a:r>
+              <a:rPr lang="en-US" altLang="zh-CN" dirty="0" err="1"/>
+              <a:t>exclude.internal.topics</a:t>
+            </a:r>
+            <a:r>
+              <a:rPr lang="en-US" altLang="zh-CN" dirty="0"/>
+              <a:t>=</a:t>
+            </a:r>
+            <a:r>
+              <a:rPr lang="en-US" altLang="zh-CN" dirty="0" err="1"/>
+              <a:t>falue</a:t>
+            </a:r>
+            <a:r>
+              <a:rPr lang="en-US" altLang="zh-CN" dirty="0"/>
+              <a:t> (../config/</a:t>
+            </a:r>
+            <a:r>
+              <a:rPr lang="en-US" altLang="zh-CN" dirty="0" err="1"/>
+              <a:t>consumer.properties</a:t>
+            </a:r>
+            <a:r>
+              <a:rPr lang="en-US" altLang="zh-CN" dirty="0"/>
+              <a:t>)</a:t>
+            </a:r>
+          </a:p>
+          <a:p>
+            <a:pPr marL="1257300" lvl="2" indent="-342900">
+              <a:buFont typeface="+mj-ea"/>
+              <a:buAutoNum type="circleNumDbPlain"/>
+            </a:pPr>
+            <a:r>
+              <a:rPr lang="en-US" altLang="zh-CN" dirty="0"/>
+              <a:t> kafka-console-consumer.bat –topic __</a:t>
+            </a:r>
+            <a:r>
+              <a:rPr lang="en-US" altLang="zh-CN" dirty="0" err="1"/>
+              <a:t>consumer_offsets</a:t>
+            </a:r>
+            <a:r>
+              <a:rPr lang="en-US" altLang="zh-CN" dirty="0"/>
+              <a:t> –bootstrap-server localhost:9092 –formatter “</a:t>
+            </a:r>
+            <a:r>
+              <a:rPr lang="en-US" altLang="zh-CN" dirty="0" err="1"/>
+              <a:t>kafka.coordinator.GroupMetadataManager</a:t>
+            </a:r>
+            <a:r>
+              <a:rPr lang="en-US" altLang="zh-CN" dirty="0"/>
+              <a:t>\$</a:t>
+            </a:r>
+            <a:r>
+              <a:rPr lang="en-US" altLang="zh-CN" dirty="0" err="1"/>
+              <a:t>OffsetsMessageFormatter</a:t>
+            </a:r>
+            <a:r>
+              <a:rPr lang="en-US" altLang="zh-CN" dirty="0"/>
+              <a:t>” –</a:t>
+            </a:r>
+            <a:r>
+              <a:rPr lang="en-US" altLang="zh-CN" dirty="0" err="1"/>
+              <a:t>consumer.config</a:t>
+            </a:r>
+            <a:r>
+              <a:rPr lang="en-US" altLang="zh-CN" dirty="0"/>
+              <a:t> ..\..\config\</a:t>
+            </a:r>
+            <a:r>
+              <a:rPr lang="en-US" altLang="zh-CN" dirty="0" err="1"/>
+              <a:t>consumer.properties</a:t>
+            </a:r>
+            <a:r>
+              <a:rPr lang="en-US" altLang="zh-CN" dirty="0"/>
+              <a:t> –from-beginning</a:t>
             </a:r>
           </a:p>
           <a:p>
